--- a/DAY2/第二天-NODE基础知识.pptx
+++ b/DAY2/第二天-NODE基础知识.pptx
@@ -5144,15 +5144,7 @@
                 <a:ea typeface="仿宋" panose="02010609060101010101" charset="-122"/>
                 <a:sym typeface="+mn-ea"/>
               </a:rPr>
-              <a:t>JS</a:t>
-            </a:r>
-            <a:r>
-              <a:rPr lang="en-US" altLang="zh-CN" sz="2000">
-                <a:latin typeface="仿宋" panose="02010609060101010101" charset="-122"/>
-                <a:ea typeface="仿宋" panose="02010609060101010101" charset="-122"/>
-                <a:sym typeface="+mn-ea"/>
-              </a:rPr>
-              <a:t>]</a:t>
+              <a:t>JS]</a:t>
             </a:r>
             <a:endParaRPr lang="en-US" altLang="zh-CN" sz="2000">
               <a:latin typeface="仿宋" panose="02010609060101010101" charset="-122"/>
@@ -8161,7 +8153,15 @@
                 <a:ea typeface="仿宋" panose="02010609060101010101" charset="-122"/>
                 <a:sym typeface="+mn-ea"/>
               </a:rPr>
-              <a:t>内置模块</a:t>
+              <a:t>第三方</a:t>
+            </a:r>
+            <a:r>
+              <a:rPr lang="zh-CN" sz="2000">
+                <a:latin typeface="仿宋" panose="02010609060101010101" charset="-122"/>
+                <a:ea typeface="仿宋" panose="02010609060101010101" charset="-122"/>
+                <a:sym typeface="+mn-ea"/>
+              </a:rPr>
+              <a:t>模块</a:t>
             </a:r>
             <a:endParaRPr lang="zh-CN" sz="2000">
               <a:latin typeface="仿宋" panose="02010609060101010101" charset="-122"/>
